--- a/Voltorb-August 2022/Voltorb-AUG-2022.pptx
+++ b/Voltorb-August 2022/Voltorb-AUG-2022.pptx
@@ -6887,7 +6887,7 @@
         </p:nvSpPr>
         <p:spPr>
           <a:xfrm>
-            <a:off x="3710100" y="3575649"/>
+            <a:off x="3710100" y="2489310"/>
             <a:ext cx="4771800" cy="800189"/>
           </a:xfrm>
           <a:prstGeom prst="rect">
@@ -6980,7 +6980,7 @@
         </p:nvSpPr>
         <p:spPr>
           <a:xfrm>
-            <a:off x="3141505" y="1638867"/>
+            <a:off x="3141505" y="974559"/>
             <a:ext cx="5908990" cy="1323439"/>
           </a:xfrm>
           <a:prstGeom prst="rect">
@@ -7026,6 +7026,61 @@
               </a:rPr>
               <a:t>THANK YOU</a:t>
             </a:r>
+          </a:p>
+        </p:txBody>
+      </p:sp>
+      <p:sp>
+        <p:nvSpPr>
+          <p:cNvPr id="6" name="TextBox 5">
+            <a:extLst>
+              <a:ext uri="{FF2B5EF4-FFF2-40B4-BE49-F238E27FC236}">
+                <a16:creationId xmlns:a16="http://schemas.microsoft.com/office/drawing/2014/main" id="{FA975330-F5FB-B58C-E1D4-7C64D8E103AA}"/>
+              </a:ext>
+            </a:extLst>
+          </p:cNvPr>
+          <p:cNvSpPr txBox="1"/>
+          <p:nvPr/>
+        </p:nvSpPr>
+        <p:spPr>
+          <a:xfrm>
+            <a:off x="3810759" y="4478215"/>
+            <a:ext cx="4570482" cy="646331"/>
+          </a:xfrm>
+          <a:prstGeom prst="rect">
+            <a:avLst/>
+          </a:prstGeom>
+          <a:noFill/>
+        </p:spPr>
+        <p:txBody>
+          <a:bodyPr wrap="none" rtlCol="0">
+            <a:spAutoFit/>
+          </a:bodyPr>
+          <a:lstStyle/>
+          <a:p>
+            <a:r>
+              <a:rPr lang="en-US" dirty="0"/>
+              <a:t>For queries </a:t>
+            </a:r>
+          </a:p>
+          <a:p>
+            <a:r>
+              <a:rPr lang="en-US" dirty="0"/>
+              <a:t>Write to us at </a:t>
+            </a:r>
+            <a:r>
+              <a:rPr lang="en-US" dirty="0">
+                <a:highlight>
+                  <a:srgbClr val="C0C0C0"/>
+                </a:highlight>
+                <a:hlinkClick r:id="rId3"/>
+              </a:rPr>
+              <a:t>ieeeuvcepes@gmail.com</a:t>
+            </a:r>
+            <a:endParaRPr lang="en-IN" dirty="0">
+              <a:highlight>
+                <a:srgbClr val="C0C0C0"/>
+              </a:highlight>
+            </a:endParaRPr>
           </a:p>
         </p:txBody>
       </p:sp>
